--- a/2015备课/课件/上机常见错误.pptx
+++ b/2015备课/课件/上机常见错误.pptx
@@ -337,7 +337,7 @@
         <p:nvSpPr>
           <p:cNvPr id="11268" name="Rectangle 4"/>
           <p:cNvSpPr>
-            <a:spLocks noGrp="1" noRot="1" noChangeArrowheads="1" noTextEdit="1"/>
+            <a:spLocks noGrp="1" noRot="1" noChangeAspect="1" noChangeArrowheads="1" noTextEdit="1"/>
           </p:cNvSpPr>
           <p:nvPr>
             <p:ph type="sldImg" idx="2"/>
@@ -5704,7 +5704,6 @@
               <a:rPr lang="zh-CN" altLang="en-US" dirty="0" smtClean="0"/>
               <a:t>常见错误</a:t>
             </a:r>
-            <a:endParaRPr lang="zh-CN" altLang="en-US" dirty="0" smtClean="0"/>
           </a:p>
         </p:txBody>
       </p:sp>
@@ -6790,7 +6789,6 @@
               <a:rPr lang="zh-CN" altLang="en-US" dirty="0" smtClean="0"/>
               <a:t>整数除以整数，结果为整数</a:t>
             </a:r>
-            <a:endParaRPr lang="zh-CN" altLang="en-US" dirty="0" smtClean="0"/>
           </a:p>
         </p:txBody>
       </p:sp>
@@ -10968,8 +10966,8 @@
         </p:nvSpPr>
         <p:spPr bwMode="auto">
           <a:xfrm>
-            <a:off x="4211975" y="907589"/>
-            <a:ext cx="4680325" cy="5336846"/>
+            <a:off x="539721" y="1052835"/>
+            <a:ext cx="3600250" cy="5336846"/>
           </a:xfrm>
           <a:prstGeom prst="rect">
             <a:avLst/>
@@ -11149,23 +11147,8 @@
                 </a:solidFill>
                 <a:ea typeface="隶书" pitchFamily="49" charset="-122"/>
               </a:rPr>
-              <a:t> </a:t>
-            </a:r>
-            <a:r>
-              <a:rPr kumimoji="1" lang="en-US" altLang="zh-CN" sz="2400" dirty="0" smtClean="0">
-                <a:solidFill>
-                  <a:srgbClr val="C00000"/>
-                </a:solidFill>
-                <a:ea typeface="隶书" pitchFamily="49" charset="-122"/>
-              </a:rPr>
-              <a:t>*/</a:t>
-            </a:r>
-            <a:endParaRPr kumimoji="1" lang="en-US" altLang="zh-CN" sz="2400" dirty="0" smtClean="0">
-              <a:solidFill>
-                <a:srgbClr val="C00000"/>
-              </a:solidFill>
-              <a:ea typeface="隶书" pitchFamily="49" charset="-122"/>
-            </a:endParaRPr>
+              <a:t> */</a:t>
+            </a:r>
           </a:p>
           <a:p>
             <a:pPr eaLnBrk="1" hangingPunct="1">
@@ -11478,6 +11461,368 @@
               <a:t>}</a:t>
             </a:r>
             <a:endParaRPr kumimoji="1" lang="en-US" altLang="zh-CN" sz="2400" dirty="0">
+              <a:ea typeface="隶书" pitchFamily="49" charset="-122"/>
+            </a:endParaRPr>
+          </a:p>
+        </p:txBody>
+      </p:sp>
+      <p:sp>
+        <p:nvSpPr>
+          <p:cNvPr id="6" name="Text Box 5"/>
+          <p:cNvSpPr txBox="1">
+            <a:spLocks noChangeArrowheads="1"/>
+          </p:cNvSpPr>
+          <p:nvPr/>
+        </p:nvSpPr>
+        <p:spPr bwMode="auto">
+          <a:xfrm>
+            <a:off x="4416661" y="1127533"/>
+            <a:ext cx="2315489" cy="4893647"/>
+          </a:xfrm>
+          <a:prstGeom prst="rect">
+            <a:avLst/>
+          </a:prstGeom>
+          <a:solidFill>
+            <a:schemeClr val="bg1"/>
+          </a:solidFill>
+          <a:ln w="38100">
+            <a:solidFill>
+              <a:schemeClr val="accent1"/>
+            </a:solidFill>
+            <a:miter lim="800000"/>
+            <a:headEnd/>
+            <a:tailEnd/>
+          </a:ln>
+        </p:spPr>
+        <p:txBody>
+          <a:bodyPr wrap="square">
+            <a:spAutoFit/>
+          </a:bodyPr>
+          <a:lstStyle>
+            <a:lvl1pPr>
+              <a:defRPr sz="2800">
+                <a:solidFill>
+                  <a:schemeClr val="tx1"/>
+                </a:solidFill>
+                <a:latin typeface="Times New Roman" pitchFamily="18" charset="0"/>
+                <a:ea typeface="宋体" pitchFamily="2" charset="-122"/>
+              </a:defRPr>
+            </a:lvl1pPr>
+            <a:lvl2pPr marL="742950" indent="-285750">
+              <a:defRPr sz="2800">
+                <a:solidFill>
+                  <a:schemeClr val="tx1"/>
+                </a:solidFill>
+                <a:latin typeface="Times New Roman" pitchFamily="18" charset="0"/>
+                <a:ea typeface="宋体" pitchFamily="2" charset="-122"/>
+              </a:defRPr>
+            </a:lvl2pPr>
+            <a:lvl3pPr marL="1143000" indent="-228600">
+              <a:defRPr sz="2800">
+                <a:solidFill>
+                  <a:schemeClr val="tx1"/>
+                </a:solidFill>
+                <a:latin typeface="Times New Roman" pitchFamily="18" charset="0"/>
+                <a:ea typeface="宋体" pitchFamily="2" charset="-122"/>
+              </a:defRPr>
+            </a:lvl3pPr>
+            <a:lvl4pPr marL="1600200" indent="-228600">
+              <a:defRPr sz="2800">
+                <a:solidFill>
+                  <a:schemeClr val="tx1"/>
+                </a:solidFill>
+                <a:latin typeface="Times New Roman" pitchFamily="18" charset="0"/>
+                <a:ea typeface="宋体" pitchFamily="2" charset="-122"/>
+              </a:defRPr>
+            </a:lvl4pPr>
+            <a:lvl5pPr marL="2057400" indent="-228600">
+              <a:defRPr sz="2800">
+                <a:solidFill>
+                  <a:schemeClr val="tx1"/>
+                </a:solidFill>
+                <a:latin typeface="Times New Roman" pitchFamily="18" charset="0"/>
+                <a:ea typeface="宋体" pitchFamily="2" charset="-122"/>
+              </a:defRPr>
+            </a:lvl5pPr>
+            <a:lvl6pPr marL="2514600" indent="-228600" eaLnBrk="0" fontAlgn="base" hangingPunct="0">
+              <a:lnSpc>
+                <a:spcPct val="96000"/>
+              </a:lnSpc>
+              <a:spcBef>
+                <a:spcPct val="0"/>
+              </a:spcBef>
+              <a:spcAft>
+                <a:spcPct val="0"/>
+              </a:spcAft>
+              <a:defRPr sz="2800">
+                <a:solidFill>
+                  <a:schemeClr val="tx1"/>
+                </a:solidFill>
+                <a:latin typeface="Times New Roman" pitchFamily="18" charset="0"/>
+                <a:ea typeface="宋体" pitchFamily="2" charset="-122"/>
+              </a:defRPr>
+            </a:lvl6pPr>
+            <a:lvl7pPr marL="2971800" indent="-228600" eaLnBrk="0" fontAlgn="base" hangingPunct="0">
+              <a:lnSpc>
+                <a:spcPct val="96000"/>
+              </a:lnSpc>
+              <a:spcBef>
+                <a:spcPct val="0"/>
+              </a:spcBef>
+              <a:spcAft>
+                <a:spcPct val="0"/>
+              </a:spcAft>
+              <a:defRPr sz="2800">
+                <a:solidFill>
+                  <a:schemeClr val="tx1"/>
+                </a:solidFill>
+                <a:latin typeface="Times New Roman" pitchFamily="18" charset="0"/>
+                <a:ea typeface="宋体" pitchFamily="2" charset="-122"/>
+              </a:defRPr>
+            </a:lvl7pPr>
+            <a:lvl8pPr marL="3429000" indent="-228600" eaLnBrk="0" fontAlgn="base" hangingPunct="0">
+              <a:lnSpc>
+                <a:spcPct val="96000"/>
+              </a:lnSpc>
+              <a:spcBef>
+                <a:spcPct val="0"/>
+              </a:spcBef>
+              <a:spcAft>
+                <a:spcPct val="0"/>
+              </a:spcAft>
+              <a:defRPr sz="2800">
+                <a:solidFill>
+                  <a:schemeClr val="tx1"/>
+                </a:solidFill>
+                <a:latin typeface="Times New Roman" pitchFamily="18" charset="0"/>
+                <a:ea typeface="宋体" pitchFamily="2" charset="-122"/>
+              </a:defRPr>
+            </a:lvl8pPr>
+            <a:lvl9pPr marL="3886200" indent="-228600" eaLnBrk="0" fontAlgn="base" hangingPunct="0">
+              <a:lnSpc>
+                <a:spcPct val="96000"/>
+              </a:lnSpc>
+              <a:spcBef>
+                <a:spcPct val="0"/>
+              </a:spcBef>
+              <a:spcAft>
+                <a:spcPct val="0"/>
+              </a:spcAft>
+              <a:defRPr sz="2800">
+                <a:solidFill>
+                  <a:schemeClr val="tx1"/>
+                </a:solidFill>
+                <a:latin typeface="Times New Roman" pitchFamily="18" charset="0"/>
+                <a:ea typeface="宋体" pitchFamily="2" charset="-122"/>
+              </a:defRPr>
+            </a:lvl9pPr>
+          </a:lstStyle>
+          <a:p>
+            <a:pPr eaLnBrk="1" hangingPunct="1">
+              <a:lnSpc>
+                <a:spcPct val="100000"/>
+              </a:lnSpc>
+            </a:pPr>
+            <a:r>
+              <a:rPr kumimoji="1" lang="en-US" altLang="zh-CN" sz="2400" dirty="0">
+                <a:solidFill>
+                  <a:srgbClr val="C00000"/>
+                </a:solidFill>
+                <a:ea typeface="隶书" pitchFamily="49" charset="-122"/>
+              </a:rPr>
+              <a:t>i</a:t>
+            </a:r>
+            <a:r>
+              <a:rPr kumimoji="1" lang="en-US" altLang="zh-CN" sz="2400" dirty="0" smtClean="0">
+                <a:solidFill>
+                  <a:srgbClr val="C00000"/>
+                </a:solidFill>
+                <a:ea typeface="隶书" pitchFamily="49" charset="-122"/>
+              </a:rPr>
+              <a:t>f ( )</a:t>
+            </a:r>
+          </a:p>
+          <a:p>
+            <a:pPr eaLnBrk="1" hangingPunct="1">
+              <a:lnSpc>
+                <a:spcPct val="100000"/>
+              </a:lnSpc>
+            </a:pPr>
+            <a:r>
+              <a:rPr kumimoji="1" lang="en-US" altLang="zh-CN" sz="2400" dirty="0" smtClean="0">
+                <a:solidFill>
+                  <a:srgbClr val="C00000"/>
+                </a:solidFill>
+                <a:ea typeface="隶书" pitchFamily="49" charset="-122"/>
+              </a:rPr>
+              <a:t>{</a:t>
+            </a:r>
+          </a:p>
+          <a:p>
+            <a:pPr eaLnBrk="1" hangingPunct="1">
+              <a:lnSpc>
+                <a:spcPct val="100000"/>
+              </a:lnSpc>
+            </a:pPr>
+            <a:r>
+              <a:rPr kumimoji="1" lang="en-US" altLang="zh-CN" sz="2400" dirty="0">
+                <a:solidFill>
+                  <a:srgbClr val="C00000"/>
+                </a:solidFill>
+                <a:ea typeface="隶书" pitchFamily="49" charset="-122"/>
+              </a:rPr>
+              <a:t> </a:t>
+            </a:r>
+            <a:r>
+              <a:rPr kumimoji="1" lang="en-US" altLang="zh-CN" sz="2400" dirty="0" smtClean="0">
+                <a:solidFill>
+                  <a:srgbClr val="C00000"/>
+                </a:solidFill>
+                <a:ea typeface="隶书" pitchFamily="49" charset="-122"/>
+              </a:rPr>
+              <a:t>   …..</a:t>
+            </a:r>
+          </a:p>
+          <a:p>
+            <a:pPr eaLnBrk="1" hangingPunct="1">
+              <a:lnSpc>
+                <a:spcPct val="100000"/>
+              </a:lnSpc>
+            </a:pPr>
+            <a:r>
+              <a:rPr kumimoji="1" lang="en-US" altLang="zh-CN" sz="2400" dirty="0">
+                <a:solidFill>
+                  <a:srgbClr val="C00000"/>
+                </a:solidFill>
+                <a:ea typeface="隶书" pitchFamily="49" charset="-122"/>
+              </a:rPr>
+              <a:t> </a:t>
+            </a:r>
+            <a:r>
+              <a:rPr kumimoji="1" lang="en-US" altLang="zh-CN" sz="2400" dirty="0" smtClean="0">
+                <a:solidFill>
+                  <a:srgbClr val="C00000"/>
+                </a:solidFill>
+                <a:ea typeface="隶书" pitchFamily="49" charset="-122"/>
+              </a:rPr>
+              <a:t>   …..</a:t>
+            </a:r>
+          </a:p>
+          <a:p>
+            <a:pPr eaLnBrk="1" hangingPunct="1">
+              <a:lnSpc>
+                <a:spcPct val="100000"/>
+              </a:lnSpc>
+            </a:pPr>
+            <a:r>
+              <a:rPr kumimoji="1" lang="en-US" altLang="zh-CN" sz="2400" dirty="0" smtClean="0">
+                <a:solidFill>
+                  <a:srgbClr val="C00000"/>
+                </a:solidFill>
+                <a:ea typeface="隶书" pitchFamily="49" charset="-122"/>
+              </a:rPr>
+              <a:t>}</a:t>
+            </a:r>
+          </a:p>
+          <a:p>
+            <a:pPr eaLnBrk="1" hangingPunct="1">
+              <a:lnSpc>
+                <a:spcPct val="100000"/>
+              </a:lnSpc>
+            </a:pPr>
+            <a:r>
+              <a:rPr kumimoji="1" lang="en-US" altLang="zh-CN" sz="2400" dirty="0" smtClean="0">
+                <a:solidFill>
+                  <a:srgbClr val="C00000"/>
+                </a:solidFill>
+                <a:ea typeface="隶书" pitchFamily="49" charset="-122"/>
+              </a:rPr>
+              <a:t>else if ( )</a:t>
+            </a:r>
+          </a:p>
+          <a:p>
+            <a:pPr eaLnBrk="1" hangingPunct="1">
+              <a:lnSpc>
+                <a:spcPct val="100000"/>
+              </a:lnSpc>
+            </a:pPr>
+            <a:r>
+              <a:rPr kumimoji="1" lang="en-US" altLang="zh-CN" sz="2400" dirty="0" smtClean="0">
+                <a:solidFill>
+                  <a:srgbClr val="C00000"/>
+                </a:solidFill>
+                <a:ea typeface="隶书" pitchFamily="49" charset="-122"/>
+              </a:rPr>
+              <a:t>{</a:t>
+            </a:r>
+          </a:p>
+          <a:p>
+            <a:pPr eaLnBrk="1" hangingPunct="1">
+              <a:lnSpc>
+                <a:spcPct val="100000"/>
+              </a:lnSpc>
+            </a:pPr>
+            <a:r>
+              <a:rPr kumimoji="1" lang="en-US" altLang="zh-CN" sz="2400" dirty="0" smtClean="0">
+                <a:solidFill>
+                  <a:srgbClr val="C00000"/>
+                </a:solidFill>
+                <a:ea typeface="隶书" pitchFamily="49" charset="-122"/>
+              </a:rPr>
+              <a:t>}</a:t>
+            </a:r>
+          </a:p>
+          <a:p>
+            <a:pPr eaLnBrk="1" hangingPunct="1">
+              <a:lnSpc>
+                <a:spcPct val="100000"/>
+              </a:lnSpc>
+            </a:pPr>
+            <a:r>
+              <a:rPr kumimoji="1" lang="en-US" altLang="zh-CN" sz="2400" dirty="0" smtClean="0">
+                <a:solidFill>
+                  <a:srgbClr val="C00000"/>
+                </a:solidFill>
+                <a:ea typeface="隶书" pitchFamily="49" charset="-122"/>
+              </a:rPr>
+              <a:t>else</a:t>
+            </a:r>
+          </a:p>
+          <a:p>
+            <a:pPr eaLnBrk="1" hangingPunct="1">
+              <a:lnSpc>
+                <a:spcPct val="100000"/>
+              </a:lnSpc>
+            </a:pPr>
+            <a:r>
+              <a:rPr kumimoji="1" lang="en-US" altLang="zh-CN" sz="2400" dirty="0" smtClean="0">
+                <a:solidFill>
+                  <a:srgbClr val="C00000"/>
+                </a:solidFill>
+                <a:ea typeface="隶书" pitchFamily="49" charset="-122"/>
+              </a:rPr>
+              <a:t>{</a:t>
+            </a:r>
+          </a:p>
+          <a:p>
+            <a:pPr eaLnBrk="1" hangingPunct="1">
+              <a:lnSpc>
+                <a:spcPct val="100000"/>
+              </a:lnSpc>
+            </a:pPr>
+            <a:r>
+              <a:rPr kumimoji="1" lang="en-US" altLang="zh-CN" sz="2400" dirty="0">
+                <a:solidFill>
+                  <a:srgbClr val="C00000"/>
+                </a:solidFill>
+                <a:ea typeface="隶书" pitchFamily="49" charset="-122"/>
+              </a:rPr>
+              <a:t>}</a:t>
+            </a:r>
+            <a:endParaRPr kumimoji="1" lang="en-US" altLang="zh-CN" sz="2400" dirty="0" smtClean="0">
+              <a:solidFill>
+                <a:srgbClr val="C00000"/>
+              </a:solidFill>
               <a:ea typeface="隶书" pitchFamily="49" charset="-122"/>
             </a:endParaRPr>
           </a:p>

--- a/2015备课/课件/上机常见错误.pptx
+++ b/2015备课/课件/上机常见错误.pptx
@@ -5693,8 +5693,12 @@
           <a:p>
             <a:pPr algn="just" eaLnBrk="1" hangingPunct="1"/>
             <a:r>
+              <a:rPr lang="en-US" altLang="zh-CN" dirty="0" err="1"/>
+              <a:t>s</a:t>
+            </a:r>
+            <a:r>
               <a:rPr lang="en-US" altLang="zh-CN" dirty="0" err="1" smtClean="0"/>
-              <a:t>Scanf</a:t>
+              <a:t>canf</a:t>
             </a:r>
             <a:r>
               <a:rPr lang="en-US" altLang="zh-CN" dirty="0" smtClean="0"/>
@@ -8021,7 +8025,7 @@
               </a:spcBef>
             </a:pPr>
             <a:r>
-              <a:rPr lang="zh-CN" altLang="en-US" sz="2000">
+              <a:rPr lang="en-US" altLang="zh-CN" sz="2000" dirty="0" smtClean="0">
                 <a:solidFill>
                   <a:srgbClr val="003366"/>
                 </a:solidFill>
@@ -8029,18 +8033,29 @@
               <a:t>#</a:t>
             </a:r>
             <a:r>
-              <a:rPr lang="en-US" altLang="zh-CN" sz="2000">
+              <a:rPr lang="en-US" altLang="zh-CN" sz="2000" dirty="0">
                 <a:solidFill>
                   <a:srgbClr val="003366"/>
                 </a:solidFill>
               </a:rPr>
-              <a:t>include &lt;math.&gt;</a:t>
-            </a:r>
-            <a:endParaRPr lang="zh-CN" altLang="en-US" sz="2000">
-              <a:solidFill>
-                <a:srgbClr val="003366"/>
-              </a:solidFill>
-            </a:endParaRPr>
+              <a:t>include &lt;</a:t>
+            </a:r>
+            <a:r>
+              <a:rPr lang="en-US" altLang="zh-CN" sz="2000" dirty="0" err="1">
+                <a:solidFill>
+                  <a:srgbClr val="003366"/>
+                </a:solidFill>
+              </a:rPr>
+              <a:t>stdio.h</a:t>
+            </a:r>
+            <a:r>
+              <a:rPr lang="en-US" altLang="zh-CN" sz="2000" dirty="0" smtClean="0">
+                <a:solidFill>
+                  <a:srgbClr val="003366"/>
+                </a:solidFill>
+              </a:rPr>
+              <a:t>&gt;</a:t>
+            </a:r>
           </a:p>
           <a:p>
             <a:pPr marL="342900" indent="-342900" algn="just">
@@ -8049,20 +8064,20 @@
               </a:spcBef>
             </a:pPr>
             <a:r>
-              <a:rPr lang="en-US" altLang="zh-CN" sz="2000">
+              <a:rPr lang="zh-CN" altLang="en-US" sz="2000" dirty="0" smtClean="0">
                 <a:solidFill>
                   <a:srgbClr val="003366"/>
                 </a:solidFill>
               </a:rPr>
-              <a:t>#include &lt;stdio.h&gt;</a:t>
-            </a:r>
-            <a:r>
-              <a:rPr lang="zh-CN" altLang="en-US" sz="2000">
+              <a:t>void </a:t>
+            </a:r>
+            <a:r>
+              <a:rPr lang="zh-CN" altLang="en-US" sz="2000" dirty="0">
                 <a:solidFill>
                   <a:srgbClr val="003366"/>
                 </a:solidFill>
               </a:rPr>
-              <a:t>void guide_p33()</a:t>
+              <a:t>guide_p33()</a:t>
             </a:r>
           </a:p>
           <a:p>
@@ -8072,7 +8087,7 @@
               </a:spcBef>
             </a:pPr>
             <a:r>
-              <a:rPr lang="zh-CN" altLang="en-US" sz="2000">
+              <a:rPr lang="zh-CN" altLang="en-US" sz="2000" dirty="0">
                 <a:solidFill>
                   <a:srgbClr val="003366"/>
                 </a:solidFill>
@@ -8087,7 +8102,7 @@
               </a:spcBef>
             </a:pPr>
             <a:r>
-              <a:rPr lang="zh-CN" altLang="en-US" sz="2000">
+              <a:rPr lang="zh-CN" altLang="en-US" sz="2000" dirty="0">
                 <a:solidFill>
                   <a:srgbClr val="003366"/>
                 </a:solidFill>
@@ -8102,7 +8117,7 @@
               </a:spcBef>
             </a:pPr>
             <a:r>
-              <a:rPr lang="zh-CN" altLang="en-US" sz="2000">
+              <a:rPr lang="zh-CN" altLang="en-US" sz="2000" dirty="0">
                 <a:solidFill>
                   <a:srgbClr val="003366"/>
                 </a:solidFill>
@@ -8117,7 +8132,7 @@
               </a:spcBef>
             </a:pPr>
             <a:r>
-              <a:rPr lang="zh-CN" altLang="en-US" sz="2000">
+              <a:rPr lang="zh-CN" altLang="en-US" sz="2000" dirty="0">
                 <a:solidFill>
                   <a:srgbClr val="003366"/>
                 </a:solidFill>
@@ -8132,7 +8147,7 @@
               </a:spcBef>
             </a:pPr>
             <a:r>
-              <a:rPr lang="zh-CN" altLang="en-US" sz="2000">
+              <a:rPr lang="zh-CN" altLang="en-US" sz="2000" dirty="0">
                 <a:solidFill>
                   <a:srgbClr val="003366"/>
                 </a:solidFill>
@@ -8147,7 +8162,7 @@
               </a:spcBef>
             </a:pPr>
             <a:r>
-              <a:rPr lang="zh-CN" altLang="en-US" sz="2000">
+              <a:rPr lang="zh-CN" altLang="en-US" sz="2000" dirty="0">
                 <a:solidFill>
                   <a:srgbClr val="003366"/>
                 </a:solidFill>
@@ -8162,7 +8177,7 @@
               </a:spcBef>
             </a:pPr>
             <a:r>
-              <a:rPr lang="zh-CN" altLang="en-US" sz="2000">
+              <a:rPr lang="zh-CN" altLang="en-US" sz="2000" dirty="0">
                 <a:solidFill>
                   <a:srgbClr val="003366"/>
                 </a:solidFill>
@@ -8177,7 +8192,7 @@
               </a:spcBef>
             </a:pPr>
             <a:r>
-              <a:rPr lang="zh-CN" altLang="en-US" sz="2000">
+              <a:rPr lang="zh-CN" altLang="en-US" sz="2000" dirty="0">
                 <a:solidFill>
                   <a:srgbClr val="003366"/>
                 </a:solidFill>
@@ -8192,7 +8207,7 @@
               </a:spcBef>
             </a:pPr>
             <a:r>
-              <a:rPr lang="zh-CN" altLang="en-US" sz="2000">
+              <a:rPr lang="zh-CN" altLang="en-US" sz="2000" dirty="0">
                 <a:solidFill>
                   <a:srgbClr val="003366"/>
                 </a:solidFill>
@@ -8207,7 +8222,7 @@
               </a:spcBef>
             </a:pPr>
             <a:r>
-              <a:rPr lang="zh-CN" altLang="en-US" sz="2000">
+              <a:rPr lang="zh-CN" altLang="en-US" sz="2000" dirty="0">
                 <a:solidFill>
                   <a:srgbClr val="003366"/>
                 </a:solidFill>
@@ -8222,7 +8237,7 @@
               </a:spcBef>
             </a:pPr>
             <a:r>
-              <a:rPr lang="zh-CN" altLang="en-US" sz="2000">
+              <a:rPr lang="zh-CN" altLang="en-US" sz="2000" dirty="0">
                 <a:solidFill>
                   <a:srgbClr val="003366"/>
                 </a:solidFill>
@@ -8237,14 +8252,14 @@
               </a:spcBef>
             </a:pPr>
             <a:r>
-              <a:rPr lang="zh-CN" altLang="en-US" sz="2000">
+              <a:rPr lang="zh-CN" altLang="en-US" sz="2000" dirty="0">
                 <a:solidFill>
                   <a:srgbClr val="003366"/>
                 </a:solidFill>
               </a:rPr>
               <a:t>}</a:t>
             </a:r>
-            <a:endParaRPr lang="zh-CN" altLang="en-US">
+            <a:endParaRPr lang="zh-CN" altLang="en-US" dirty="0">
               <a:ea typeface="楷体_GB2312" pitchFamily="1" charset="-122"/>
             </a:endParaRPr>
           </a:p>
@@ -9414,7 +9429,7 @@
               </a:spcBef>
             </a:pPr>
             <a:r>
-              <a:rPr lang="zh-CN" altLang="en-US" sz="2000">
+              <a:rPr lang="en-US" altLang="zh-CN" sz="2000" dirty="0" smtClean="0">
                 <a:solidFill>
                   <a:srgbClr val="003366"/>
                 </a:solidFill>
@@ -9422,18 +9437,29 @@
               <a:t>#</a:t>
             </a:r>
             <a:r>
-              <a:rPr lang="en-US" altLang="zh-CN" sz="2000">
+              <a:rPr lang="en-US" altLang="zh-CN" sz="2000" dirty="0">
                 <a:solidFill>
                   <a:srgbClr val="003366"/>
                 </a:solidFill>
               </a:rPr>
-              <a:t>include &lt;math.&gt;</a:t>
-            </a:r>
-            <a:endParaRPr lang="zh-CN" altLang="en-US" sz="2000">
-              <a:solidFill>
-                <a:srgbClr val="003366"/>
-              </a:solidFill>
-            </a:endParaRPr>
+              <a:t>include &lt;</a:t>
+            </a:r>
+            <a:r>
+              <a:rPr lang="en-US" altLang="zh-CN" sz="2000" dirty="0" err="1">
+                <a:solidFill>
+                  <a:srgbClr val="003366"/>
+                </a:solidFill>
+              </a:rPr>
+              <a:t>stdio.h</a:t>
+            </a:r>
+            <a:r>
+              <a:rPr lang="en-US" altLang="zh-CN" sz="2000" smtClean="0">
+                <a:solidFill>
+                  <a:srgbClr val="003366"/>
+                </a:solidFill>
+              </a:rPr>
+              <a:t>&gt;</a:t>
+            </a:r>
           </a:p>
           <a:p>
             <a:pPr marL="342900" indent="-342900" algn="just">
@@ -9442,20 +9468,20 @@
               </a:spcBef>
             </a:pPr>
             <a:r>
-              <a:rPr lang="en-US" altLang="zh-CN" sz="2000">
+              <a:rPr lang="zh-CN" altLang="en-US" sz="2000" smtClean="0">
                 <a:solidFill>
                   <a:srgbClr val="003366"/>
                 </a:solidFill>
               </a:rPr>
-              <a:t>#include &lt;stdio.h&gt;</a:t>
-            </a:r>
-            <a:r>
-              <a:rPr lang="zh-CN" altLang="en-US" sz="2000">
+              <a:t>void </a:t>
+            </a:r>
+            <a:r>
+              <a:rPr lang="zh-CN" altLang="en-US" sz="2000" dirty="0">
                 <a:solidFill>
                   <a:srgbClr val="003366"/>
                 </a:solidFill>
               </a:rPr>
-              <a:t>void guide_p33()</a:t>
+              <a:t>guide_p33()</a:t>
             </a:r>
           </a:p>
           <a:p>
@@ -9465,7 +9491,7 @@
               </a:spcBef>
             </a:pPr>
             <a:r>
-              <a:rPr lang="zh-CN" altLang="en-US" sz="2000">
+              <a:rPr lang="zh-CN" altLang="en-US" sz="2000" dirty="0">
                 <a:solidFill>
                   <a:srgbClr val="003366"/>
                 </a:solidFill>
@@ -9480,7 +9506,7 @@
               </a:spcBef>
             </a:pPr>
             <a:r>
-              <a:rPr lang="zh-CN" altLang="en-US" sz="2000">
+              <a:rPr lang="zh-CN" altLang="en-US" sz="2000" dirty="0">
                 <a:solidFill>
                   <a:srgbClr val="003366"/>
                 </a:solidFill>
@@ -9495,7 +9521,7 @@
               </a:spcBef>
             </a:pPr>
             <a:r>
-              <a:rPr lang="zh-CN" altLang="en-US" sz="2000">
+              <a:rPr lang="zh-CN" altLang="en-US" sz="2000" dirty="0">
                 <a:solidFill>
                   <a:srgbClr val="003366"/>
                 </a:solidFill>
@@ -9510,7 +9536,7 @@
               </a:spcBef>
             </a:pPr>
             <a:r>
-              <a:rPr lang="zh-CN" altLang="en-US" sz="2000">
+              <a:rPr lang="zh-CN" altLang="en-US" sz="2000" dirty="0">
                 <a:solidFill>
                   <a:srgbClr val="003366"/>
                 </a:solidFill>
@@ -9525,7 +9551,7 @@
               </a:spcBef>
             </a:pPr>
             <a:r>
-              <a:rPr lang="zh-CN" altLang="en-US" sz="2000">
+              <a:rPr lang="zh-CN" altLang="en-US" sz="2000" dirty="0">
                 <a:solidFill>
                   <a:srgbClr val="003366"/>
                 </a:solidFill>
@@ -9540,7 +9566,7 @@
               </a:spcBef>
             </a:pPr>
             <a:r>
-              <a:rPr lang="zh-CN" altLang="en-US" sz="2000">
+              <a:rPr lang="zh-CN" altLang="en-US" sz="2000" dirty="0">
                 <a:solidFill>
                   <a:srgbClr val="003366"/>
                 </a:solidFill>
@@ -9555,7 +9581,7 @@
               </a:spcBef>
             </a:pPr>
             <a:r>
-              <a:rPr lang="zh-CN" altLang="en-US" sz="2000">
+              <a:rPr lang="zh-CN" altLang="en-US" sz="2000" dirty="0">
                 <a:solidFill>
                   <a:srgbClr val="003366"/>
                 </a:solidFill>
@@ -9570,7 +9596,7 @@
               </a:spcBef>
             </a:pPr>
             <a:r>
-              <a:rPr lang="zh-CN" altLang="en-US" sz="2000">
+              <a:rPr lang="zh-CN" altLang="en-US" sz="2000" dirty="0">
                 <a:solidFill>
                   <a:srgbClr val="003366"/>
                 </a:solidFill>
@@ -9585,7 +9611,7 @@
               </a:spcBef>
             </a:pPr>
             <a:r>
-              <a:rPr lang="zh-CN" altLang="en-US" sz="2000">
+              <a:rPr lang="zh-CN" altLang="en-US" sz="2000" dirty="0">
                 <a:solidFill>
                   <a:srgbClr val="003366"/>
                 </a:solidFill>
@@ -9600,7 +9626,7 @@
               </a:spcBef>
             </a:pPr>
             <a:r>
-              <a:rPr lang="zh-CN" altLang="en-US" sz="2000">
+              <a:rPr lang="zh-CN" altLang="en-US" sz="2000" dirty="0">
                 <a:solidFill>
                   <a:srgbClr val="003366"/>
                 </a:solidFill>
@@ -9608,7 +9634,7 @@
               <a:t>	    </a:t>
             </a:r>
             <a:r>
-              <a:rPr lang="zh-CN" altLang="en-US" sz="1800">
+              <a:rPr lang="zh-CN" altLang="en-US" sz="1800" dirty="0">
                 <a:solidFill>
                   <a:srgbClr val="006600"/>
                 </a:solidFill>
@@ -9623,7 +9649,7 @@
               </a:spcBef>
             </a:pPr>
             <a:r>
-              <a:rPr lang="zh-CN" altLang="en-US" sz="2000">
+              <a:rPr lang="zh-CN" altLang="en-US" sz="2000" dirty="0">
                 <a:solidFill>
                   <a:srgbClr val="003366"/>
                 </a:solidFill>
@@ -9638,7 +9664,7 @@
               </a:spcBef>
             </a:pPr>
             <a:r>
-              <a:rPr lang="zh-CN" altLang="en-US" sz="2000">
+              <a:rPr lang="zh-CN" altLang="en-US" sz="2000" dirty="0">
                 <a:solidFill>
                   <a:srgbClr val="003366"/>
                 </a:solidFill>
@@ -9653,7 +9679,7 @@
               </a:spcBef>
             </a:pPr>
             <a:r>
-              <a:rPr lang="zh-CN" altLang="en-US" sz="2000">
+              <a:rPr lang="zh-CN" altLang="en-US" sz="2000" dirty="0">
                 <a:solidFill>
                   <a:srgbClr val="003366"/>
                 </a:solidFill>
@@ -9668,7 +9694,7 @@
               </a:spcBef>
             </a:pPr>
             <a:r>
-              <a:rPr lang="zh-CN" altLang="en-US" sz="2000">
+              <a:rPr lang="zh-CN" altLang="en-US" sz="2000" dirty="0">
                 <a:solidFill>
                   <a:srgbClr val="003366"/>
                 </a:solidFill>
